--- a/Donation Management System.pptx
+++ b/Donation Management System.pptx
@@ -5,10 +5,10 @@
     <p:sldMasterId id="2147483648" r:id="rId4"/>
   </p:sldMasterIdLst>
   <p:notesMasterIdLst>
-    <p:notesMasterId r:id="rId21"/>
+    <p:notesMasterId r:id="rId23"/>
   </p:notesMasterIdLst>
   <p:handoutMasterIdLst>
-    <p:handoutMasterId r:id="rId22"/>
+    <p:handoutMasterId r:id="rId24"/>
   </p:handoutMasterIdLst>
   <p:sldIdLst>
     <p:sldId id="256" r:id="rId5"/>
@@ -21,12 +21,14 @@
     <p:sldId id="276" r:id="rId12"/>
     <p:sldId id="259" r:id="rId13"/>
     <p:sldId id="260" r:id="rId14"/>
-    <p:sldId id="269" r:id="rId15"/>
-    <p:sldId id="262" r:id="rId16"/>
-    <p:sldId id="263" r:id="rId17"/>
-    <p:sldId id="265" r:id="rId18"/>
-    <p:sldId id="264" r:id="rId19"/>
-    <p:sldId id="270" r:id="rId20"/>
+    <p:sldId id="277" r:id="rId15"/>
+    <p:sldId id="278" r:id="rId16"/>
+    <p:sldId id="279" r:id="rId17"/>
+    <p:sldId id="262" r:id="rId18"/>
+    <p:sldId id="263" r:id="rId19"/>
+    <p:sldId id="265" r:id="rId20"/>
+    <p:sldId id="264" r:id="rId21"/>
+    <p:sldId id="270" r:id="rId22"/>
   </p:sldIdLst>
   <p:sldSz cx="12192000" cy="6858000"/>
   <p:notesSz cx="6858000" cy="9144000"/>
@@ -144,7 +146,9 @@
             <p14:sldId id="276"/>
             <p14:sldId id="259"/>
             <p14:sldId id="260"/>
-            <p14:sldId id="269"/>
+            <p14:sldId id="277"/>
+            <p14:sldId id="278"/>
+            <p14:sldId id="279"/>
             <p14:sldId id="262"/>
             <p14:sldId id="263"/>
             <p14:sldId id="265"/>
@@ -224,6 +228,7 @@
           </a:p>
         </c:rich>
       </c:tx>
+      <c:layout/>
       <c:overlay val="0"/>
       <c:spPr>
         <a:noFill/>
@@ -709,6 +714,7 @@
     </c:plotArea>
     <c:legend>
       <c:legendPos val="b"/>
+      <c:layout/>
       <c:overlay val="0"/>
       <c:spPr>
         <a:noFill/>
@@ -14356,10 +14362,24 @@
               </a:lnSpc>
             </a:pPr>
             <a:r>
-              <a:rPr lang="en-US" dirty="0" smtClean="0"/>
+              <a:rPr lang="en-US" dirty="0" smtClean="0">
+                <a:solidFill>
+                  <a:schemeClr val="accent1">
+                    <a:lumMod val="50000"/>
+                    <a:lumOff val="50000"/>
+                  </a:schemeClr>
+                </a:solidFill>
+              </a:rPr>
               <a:t>Donation Management System</a:t>
             </a:r>
-            <a:endParaRPr lang="en-US" dirty="0"/>
+            <a:endParaRPr lang="en-US" dirty="0">
+              <a:solidFill>
+                <a:schemeClr val="accent1">
+                  <a:lumMod val="50000"/>
+                  <a:lumOff val="50000"/>
+                </a:schemeClr>
+              </a:solidFill>
+            </a:endParaRPr>
           </a:p>
         </p:txBody>
       </p:sp>
@@ -14375,8 +14395,8 @@
         </p:nvSpPr>
         <p:spPr bwMode="auto">
           <a:xfrm>
-            <a:off x="6660108" y="3622336"/>
-            <a:ext cx="3712191" cy="738664"/>
+            <a:off x="6660108" y="3480727"/>
+            <a:ext cx="3712191" cy="1021883"/>
           </a:xfrm>
           <a:prstGeom prst="rect">
             <a:avLst/>
@@ -14426,7 +14446,7 @@
           <a:p>
             <a:pPr marL="0" marR="0" lvl="0" indent="0" algn="just" defTabSz="914400" rtl="0" eaLnBrk="0" fontAlgn="base" latinLnBrk="0" hangingPunct="0">
               <a:lnSpc>
-                <a:spcPct val="100000"/>
+                <a:spcPct val="150000"/>
               </a:lnSpc>
               <a:spcBef>
                 <a:spcPct val="0"/>
@@ -14488,7 +14508,7 @@
           <a:p>
             <a:pPr marL="0" marR="0" lvl="0" indent="0" algn="just" defTabSz="914400" rtl="0" eaLnBrk="0" fontAlgn="base" latinLnBrk="0" hangingPunct="0">
               <a:lnSpc>
-                <a:spcPct val="100000"/>
+                <a:spcPct val="150000"/>
               </a:lnSpc>
               <a:spcBef>
                 <a:spcPct val="0"/>
@@ -14561,99 +14581,25 @@
             <p:ph type="title"/>
           </p:nvPr>
         </p:nvSpPr>
-        <p:spPr/>
+        <p:spPr>
+          <a:xfrm>
+            <a:off x="338530" y="1651385"/>
+            <a:ext cx="4832192" cy="705402"/>
+          </a:xfrm>
+        </p:spPr>
         <p:txBody>
           <a:bodyPr/>
           <a:lstStyle/>
           <a:p>
             <a:r>
+              <a:rPr lang="en-US" dirty="0" smtClean="0"/>
+              <a:t>Software </a:t>
+            </a:r>
+            <a:r>
               <a:rPr lang="en-US" dirty="0"/>
-              <a:t>About </a:t>
-            </a:r>
-            <a:r>
-              <a:rPr lang="en-US" b="0" dirty="0"/>
-              <a:t>Us Alt</a:t>
-            </a:r>
-          </a:p>
-        </p:txBody>
-      </p:sp>
-      <p:sp>
-        <p:nvSpPr>
-          <p:cNvPr id="43" name="Text Placeholder 8">
-            <a:extLst>
-              <a:ext uri="{FF2B5EF4-FFF2-40B4-BE49-F238E27FC236}">
-                <a16:creationId xmlns:a16="http://schemas.microsoft.com/office/drawing/2014/main" id="{EA7C22CB-613A-4C0B-90B3-4A405F793D3C}"/>
-              </a:ext>
-            </a:extLst>
-          </p:cNvPr>
-          <p:cNvSpPr>
-            <a:spLocks noGrp="1"/>
-          </p:cNvSpPr>
-          <p:nvPr>
-            <p:ph type="body" sz="quarter" idx="13"/>
-          </p:nvPr>
-        </p:nvSpPr>
-        <p:spPr/>
-        <p:txBody>
-          <a:bodyPr/>
-          <a:lstStyle/>
-          <a:p>
-            <a:r>
-              <a:rPr lang="en-US" dirty="0"/>
-              <a:t>LOREM IPSUM DOLOR SIT AMET</a:t>
-            </a:r>
-          </a:p>
-        </p:txBody>
-      </p:sp>
-      <p:sp>
-        <p:nvSpPr>
-          <p:cNvPr id="42" name="Content Placeholder 6">
-            <a:extLst>
-              <a:ext uri="{FF2B5EF4-FFF2-40B4-BE49-F238E27FC236}">
-                <a16:creationId xmlns:a16="http://schemas.microsoft.com/office/drawing/2014/main" id="{55EACD59-7C51-4810-94C6-BCB4D12346DC}"/>
-              </a:ext>
-            </a:extLst>
-          </p:cNvPr>
-          <p:cNvSpPr>
-            <a:spLocks noGrp="1"/>
-          </p:cNvSpPr>
-          <p:nvPr>
-            <p:ph idx="1"/>
-          </p:nvPr>
-        </p:nvSpPr>
-        <p:spPr/>
-        <p:txBody>
-          <a:bodyPr>
-            <a:normAutofit fontScale="92500"/>
-          </a:bodyPr>
-          <a:lstStyle/>
-          <a:p>
-            <a:pPr lvl="0"/>
-            <a:r>
-              <a:rPr lang="en-US" dirty="0"/>
-              <a:t>Lorem ipsum dolor sit amet, consectetur adipiscing elit. </a:t>
-            </a:r>
-          </a:p>
-          <a:p>
-            <a:pPr lvl="0"/>
-            <a:r>
-              <a:rPr lang="en-US" dirty="0"/>
-              <a:t>Ut fermentum a magna ut eleifend. Integer convallis suscipit ante eu varius. </a:t>
-            </a:r>
-          </a:p>
-          <a:p>
-            <a:pPr lvl="0"/>
-            <a:r>
-              <a:rPr lang="en-US" dirty="0"/>
-              <a:t>Morbi a purus dolor. Suspendisse sit amet ipsum finibus justo viverra blandit. </a:t>
-            </a:r>
-          </a:p>
-          <a:p>
-            <a:pPr lvl="0"/>
-            <a:r>
-              <a:rPr lang="en-US" dirty="0"/>
-              <a:t>Ut congue quis tortor eget sodales. </a:t>
-            </a:r>
+              <a:t>Features</a:t>
+            </a:r>
+            <a:endParaRPr lang="en-US" b="0" dirty="0"/>
           </a:p>
         </p:txBody>
       </p:sp>
@@ -14740,6 +14686,256 @@
           </a:p>
         </p:txBody>
       </p:sp>
+      <p:sp>
+        <p:nvSpPr>
+          <p:cNvPr id="19" name="TextBox 18"/>
+          <p:cNvSpPr txBox="1"/>
+          <p:nvPr/>
+        </p:nvSpPr>
+        <p:spPr>
+          <a:xfrm>
+            <a:off x="450380" y="3215573"/>
+            <a:ext cx="4058753" cy="2862322"/>
+          </a:xfrm>
+          <a:prstGeom prst="rect">
+            <a:avLst/>
+          </a:prstGeom>
+          <a:noFill/>
+        </p:spPr>
+        <p:txBody>
+          <a:bodyPr wrap="square" rtlCol="0">
+            <a:spAutoFit/>
+          </a:bodyPr>
+          <a:lstStyle/>
+          <a:p>
+            <a:pPr marL="342900" indent="-342900">
+              <a:lnSpc>
+                <a:spcPct val="150000"/>
+              </a:lnSpc>
+              <a:buFont typeface="Wingdings" panose="05000000000000000000" pitchFamily="2" charset="2"/>
+              <a:buChar char="v"/>
+            </a:pPr>
+            <a:r>
+              <a:rPr lang="en-US" sz="2000" dirty="0" smtClean="0"/>
+              <a:t>Donor Management</a:t>
+            </a:r>
+            <a:endParaRPr lang="en-US" sz="2000" dirty="0"/>
+          </a:p>
+          <a:p>
+            <a:pPr marL="342900" indent="-342900">
+              <a:lnSpc>
+                <a:spcPct val="150000"/>
+              </a:lnSpc>
+              <a:buFont typeface="Wingdings" panose="05000000000000000000" pitchFamily="2" charset="2"/>
+              <a:buChar char="v"/>
+            </a:pPr>
+            <a:r>
+              <a:rPr lang="en-US" sz="2000" dirty="0"/>
+              <a:t>Donation Tracking</a:t>
+            </a:r>
+          </a:p>
+          <a:p>
+            <a:pPr marL="342900" indent="-342900">
+              <a:lnSpc>
+                <a:spcPct val="150000"/>
+              </a:lnSpc>
+              <a:buFont typeface="Wingdings" panose="05000000000000000000" pitchFamily="2" charset="2"/>
+              <a:buChar char="v"/>
+            </a:pPr>
+            <a:r>
+              <a:rPr lang="en-US" sz="2000" dirty="0" smtClean="0"/>
+              <a:t>Campaign </a:t>
+            </a:r>
+            <a:r>
+              <a:rPr lang="en-US" sz="2000" dirty="0"/>
+              <a:t>Management</a:t>
+            </a:r>
+          </a:p>
+          <a:p>
+            <a:pPr marL="342900" indent="-342900">
+              <a:lnSpc>
+                <a:spcPct val="150000"/>
+              </a:lnSpc>
+              <a:buFont typeface="Wingdings" panose="05000000000000000000" pitchFamily="2" charset="2"/>
+              <a:buChar char="v"/>
+            </a:pPr>
+            <a:r>
+              <a:rPr lang="en-US" sz="2000" dirty="0"/>
+              <a:t>User Role Access</a:t>
+            </a:r>
+          </a:p>
+          <a:p>
+            <a:pPr marL="342900" indent="-342900">
+              <a:lnSpc>
+                <a:spcPct val="150000"/>
+              </a:lnSpc>
+              <a:buFont typeface="Wingdings" panose="05000000000000000000" pitchFamily="2" charset="2"/>
+              <a:buChar char="v"/>
+            </a:pPr>
+            <a:r>
+              <a:rPr lang="en-US" sz="2000" dirty="0"/>
+              <a:t>Acknowledgment &amp; </a:t>
+            </a:r>
+            <a:r>
+              <a:rPr lang="en-US" sz="2000" dirty="0" smtClean="0"/>
+              <a:t>Receipts</a:t>
+            </a:r>
+            <a:endParaRPr lang="en-US" sz="2000" dirty="0"/>
+          </a:p>
+          <a:p>
+            <a:pPr marL="342900" indent="-342900">
+              <a:lnSpc>
+                <a:spcPct val="150000"/>
+              </a:lnSpc>
+              <a:buFont typeface="Wingdings" panose="05000000000000000000" pitchFamily="2" charset="2"/>
+              <a:buChar char="v"/>
+            </a:pPr>
+            <a:r>
+              <a:rPr lang="en-US" sz="2000" dirty="0"/>
+              <a:t>Reports &amp; </a:t>
+            </a:r>
+            <a:r>
+              <a:rPr lang="en-US" sz="2000" dirty="0" smtClean="0"/>
+              <a:t>Analytics</a:t>
+            </a:r>
+            <a:endParaRPr lang="en-US" sz="2000" dirty="0"/>
+          </a:p>
+        </p:txBody>
+      </p:sp>
+      <p:sp>
+        <p:nvSpPr>
+          <p:cNvPr id="21" name="TextBox 20"/>
+          <p:cNvSpPr txBox="1"/>
+          <p:nvPr/>
+        </p:nvSpPr>
+        <p:spPr>
+          <a:xfrm>
+            <a:off x="338530" y="2539959"/>
+            <a:ext cx="2988858" cy="523220"/>
+          </a:xfrm>
+          <a:prstGeom prst="rect">
+            <a:avLst/>
+          </a:prstGeom>
+          <a:noFill/>
+        </p:spPr>
+        <p:txBody>
+          <a:bodyPr wrap="square" rtlCol="0">
+            <a:spAutoFit/>
+          </a:bodyPr>
+          <a:lstStyle/>
+          <a:p>
+            <a:r>
+              <a:rPr lang="en-US" sz="2800" b="1" dirty="0"/>
+              <a:t> Key </a:t>
+            </a:r>
+            <a:r>
+              <a:rPr lang="en-US" sz="2800" b="1" dirty="0" smtClean="0"/>
+              <a:t>Features</a:t>
+            </a:r>
+            <a:endParaRPr lang="en-US" sz="2800" b="1" dirty="0"/>
+          </a:p>
+        </p:txBody>
+      </p:sp>
+      <p:sp>
+        <p:nvSpPr>
+          <p:cNvPr id="25" name="TextBox 24"/>
+          <p:cNvSpPr txBox="1"/>
+          <p:nvPr/>
+        </p:nvSpPr>
+        <p:spPr>
+          <a:xfrm>
+            <a:off x="4258100" y="3184795"/>
+            <a:ext cx="3425589" cy="2862322"/>
+          </a:xfrm>
+          <a:prstGeom prst="rect">
+            <a:avLst/>
+          </a:prstGeom>
+          <a:noFill/>
+        </p:spPr>
+        <p:txBody>
+          <a:bodyPr wrap="square" rtlCol="0">
+            <a:spAutoFit/>
+          </a:bodyPr>
+          <a:lstStyle/>
+          <a:p>
+            <a:pPr marL="342900" indent="-342900">
+              <a:lnSpc>
+                <a:spcPct val="150000"/>
+              </a:lnSpc>
+              <a:buFont typeface="Wingdings" panose="05000000000000000000" pitchFamily="2" charset="2"/>
+              <a:buChar char="v"/>
+            </a:pPr>
+            <a:r>
+              <a:rPr lang="en-US" sz="2000" dirty="0"/>
+              <a:t>Security &amp; Data Integrity</a:t>
+            </a:r>
+          </a:p>
+          <a:p>
+            <a:pPr marL="342900" indent="-342900">
+              <a:lnSpc>
+                <a:spcPct val="150000"/>
+              </a:lnSpc>
+              <a:buFont typeface="Wingdings" panose="05000000000000000000" pitchFamily="2" charset="2"/>
+              <a:buChar char="v"/>
+            </a:pPr>
+            <a:r>
+              <a:rPr lang="en-US" sz="2000" dirty="0"/>
+              <a:t>Volunteer Management</a:t>
+            </a:r>
+          </a:p>
+          <a:p>
+            <a:pPr marL="342900" indent="-342900">
+              <a:lnSpc>
+                <a:spcPct val="150000"/>
+              </a:lnSpc>
+              <a:buFont typeface="Wingdings" panose="05000000000000000000" pitchFamily="2" charset="2"/>
+              <a:buChar char="v"/>
+            </a:pPr>
+            <a:r>
+              <a:rPr lang="en-US" sz="2000" dirty="0"/>
+              <a:t>SMS and Email Notifications</a:t>
+            </a:r>
+          </a:p>
+          <a:p>
+            <a:pPr marL="342900" indent="-342900">
+              <a:lnSpc>
+                <a:spcPct val="150000"/>
+              </a:lnSpc>
+              <a:buFont typeface="Wingdings" panose="05000000000000000000" pitchFamily="2" charset="2"/>
+              <a:buChar char="v"/>
+            </a:pPr>
+            <a:r>
+              <a:rPr lang="en-US" sz="2000" dirty="0"/>
+              <a:t>Donor </a:t>
+            </a:r>
+            <a:r>
+              <a:rPr lang="en-US" sz="2000" dirty="0" smtClean="0"/>
+              <a:t>Dashboard</a:t>
+            </a:r>
+          </a:p>
+          <a:p>
+            <a:pPr marL="342900" indent="-342900">
+              <a:lnSpc>
+                <a:spcPct val="150000"/>
+              </a:lnSpc>
+              <a:buFont typeface="Wingdings" panose="05000000000000000000" pitchFamily="2" charset="2"/>
+              <a:buChar char="v"/>
+            </a:pPr>
+            <a:r>
+              <a:rPr lang="en-US" sz="2000" dirty="0"/>
+              <a:t>Online Payment Integration</a:t>
+            </a:r>
+          </a:p>
+          <a:p>
+            <a:pPr>
+              <a:lnSpc>
+                <a:spcPct val="150000"/>
+              </a:lnSpc>
+            </a:pPr>
+            <a:endParaRPr lang="en-US" sz="2000" dirty="0"/>
+          </a:p>
+        </p:txBody>
+      </p:sp>
     </p:spTree>
     <p:extLst>
       <p:ext uri="{BB962C8B-B14F-4D97-AF65-F5344CB8AC3E}">
@@ -14772,10 +14968,377 @@
       </p:grpSpPr>
       <p:sp>
         <p:nvSpPr>
-          <p:cNvPr id="14" name="Title 13">
+          <p:cNvPr id="41" name="Title 3">
             <a:extLst>
               <a:ext uri="{FF2B5EF4-FFF2-40B4-BE49-F238E27FC236}">
-                <a16:creationId xmlns:a16="http://schemas.microsoft.com/office/drawing/2014/main" id="{E3E5EE03-FBF6-46F5-8085-716AC6CE1C8C}"/>
+                <a16:creationId xmlns:a16="http://schemas.microsoft.com/office/drawing/2014/main" id="{1ABD613F-111C-41D6-9F8E-8B2C42A5E047}"/>
+              </a:ext>
+            </a:extLst>
+          </p:cNvPr>
+          <p:cNvSpPr>
+            <a:spLocks noGrp="1"/>
+          </p:cNvSpPr>
+          <p:nvPr>
+            <p:ph type="title"/>
+          </p:nvPr>
+        </p:nvSpPr>
+        <p:spPr>
+          <a:xfrm>
+            <a:off x="338530" y="1651385"/>
+            <a:ext cx="4832192" cy="705402"/>
+          </a:xfrm>
+        </p:spPr>
+        <p:txBody>
+          <a:bodyPr/>
+          <a:lstStyle/>
+          <a:p>
+            <a:r>
+              <a:rPr lang="en-US" dirty="0" smtClean="0"/>
+              <a:t>Software </a:t>
+            </a:r>
+            <a:r>
+              <a:rPr lang="en-US" dirty="0"/>
+              <a:t>Features</a:t>
+            </a:r>
+            <a:endParaRPr lang="en-US" b="0" dirty="0"/>
+          </a:p>
+        </p:txBody>
+      </p:sp>
+      <p:pic>
+        <p:nvPicPr>
+          <p:cNvPr id="59" name="Picture Placeholder 58" title="Buildings">
+            <a:extLst>
+              <a:ext uri="{FF2B5EF4-FFF2-40B4-BE49-F238E27FC236}">
+                <a16:creationId xmlns:a16="http://schemas.microsoft.com/office/drawing/2014/main" id="{3FCCC668-2247-4814-9CC5-9C5D4B447AA3}"/>
+              </a:ext>
+            </a:extLst>
+          </p:cNvPr>
+          <p:cNvPicPr>
+            <a:picLocks noGrp="1" noChangeAspect="1"/>
+          </p:cNvPicPr>
+          <p:nvPr>
+            <p:ph type="pic" sz="quarter" idx="14"/>
+          </p:nvPr>
+        </p:nvPicPr>
+        <p:blipFill>
+          <a:blip r:embed="rId2"/>
+          <a:srcRect l="13492" r="13492"/>
+          <a:stretch>
+            <a:fillRect/>
+          </a:stretch>
+        </p:blipFill>
+        <p:spPr/>
+      </p:pic>
+      <p:sp>
+        <p:nvSpPr>
+          <p:cNvPr id="35" name="Footer Placeholder 34">
+            <a:extLst>
+              <a:ext uri="{FF2B5EF4-FFF2-40B4-BE49-F238E27FC236}">
+                <a16:creationId xmlns:a16="http://schemas.microsoft.com/office/drawing/2014/main" id="{6390A22B-EC07-E942-A46F-F36FDD7FDB9D}"/>
+              </a:ext>
+            </a:extLst>
+          </p:cNvPr>
+          <p:cNvSpPr>
+            <a:spLocks noGrp="1"/>
+          </p:cNvSpPr>
+          <p:nvPr>
+            <p:ph type="ftr" sz="quarter" idx="15"/>
+          </p:nvPr>
+        </p:nvSpPr>
+        <p:spPr/>
+        <p:txBody>
+          <a:bodyPr/>
+          <a:lstStyle/>
+          <a:p>
+            <a:r>
+              <a:rPr lang="en-US" dirty="0"/>
+              <a:t>Add a footer</a:t>
+            </a:r>
+          </a:p>
+        </p:txBody>
+      </p:sp>
+      <p:sp>
+        <p:nvSpPr>
+          <p:cNvPr id="10" name="Slide Number Placeholder 9">
+            <a:extLst>
+              <a:ext uri="{FF2B5EF4-FFF2-40B4-BE49-F238E27FC236}">
+                <a16:creationId xmlns:a16="http://schemas.microsoft.com/office/drawing/2014/main" id="{A267D224-5586-43DC-82CA-8605E158298B}"/>
+              </a:ext>
+            </a:extLst>
+          </p:cNvPr>
+          <p:cNvSpPr>
+            <a:spLocks noGrp="1"/>
+          </p:cNvSpPr>
+          <p:nvPr>
+            <p:ph type="sldNum" sz="quarter" idx="16"/>
+          </p:nvPr>
+        </p:nvSpPr>
+        <p:spPr/>
+        <p:txBody>
+          <a:bodyPr/>
+          <a:lstStyle/>
+          <a:p>
+            <a:fld id="{8699F50C-BE38-4BD0-BA84-9B090E1F2B9B}" type="slidenum">
+              <a:rPr lang="en-US" smtClean="0"/>
+              <a:pPr/>
+              <a:t>11</a:t>
+            </a:fld>
+            <a:endParaRPr lang="en-US" dirty="0"/>
+          </a:p>
+        </p:txBody>
+      </p:sp>
+      <p:sp>
+        <p:nvSpPr>
+          <p:cNvPr id="19" name="TextBox 18"/>
+          <p:cNvSpPr txBox="1"/>
+          <p:nvPr/>
+        </p:nvSpPr>
+        <p:spPr>
+          <a:xfrm>
+            <a:off x="450380" y="3215573"/>
+            <a:ext cx="4058753" cy="2400657"/>
+          </a:xfrm>
+          <a:prstGeom prst="rect">
+            <a:avLst/>
+          </a:prstGeom>
+          <a:noFill/>
+        </p:spPr>
+        <p:txBody>
+          <a:bodyPr wrap="square" rtlCol="0">
+            <a:spAutoFit/>
+          </a:bodyPr>
+          <a:lstStyle/>
+          <a:p>
+            <a:pPr marL="342900" indent="-342900">
+              <a:lnSpc>
+                <a:spcPct val="150000"/>
+              </a:lnSpc>
+              <a:buFont typeface="Wingdings" panose="05000000000000000000" pitchFamily="2" charset="2"/>
+              <a:buChar char="v"/>
+            </a:pPr>
+            <a:r>
+              <a:rPr lang="en-US" sz="2000" dirty="0"/>
+              <a:t> Recurring Donations</a:t>
+            </a:r>
+          </a:p>
+          <a:p>
+            <a:pPr marL="342900" indent="-342900">
+              <a:lnSpc>
+                <a:spcPct val="150000"/>
+              </a:lnSpc>
+              <a:buFont typeface="Wingdings" panose="05000000000000000000" pitchFamily="2" charset="2"/>
+              <a:buChar char="v"/>
+            </a:pPr>
+            <a:r>
+              <a:rPr lang="en-US" sz="2000" dirty="0"/>
+              <a:t>Mobile App Integration</a:t>
+            </a:r>
+          </a:p>
+          <a:p>
+            <a:pPr marL="342900" indent="-342900">
+              <a:lnSpc>
+                <a:spcPct val="150000"/>
+              </a:lnSpc>
+              <a:buFont typeface="Wingdings" panose="05000000000000000000" pitchFamily="2" charset="2"/>
+              <a:buChar char="v"/>
+            </a:pPr>
+            <a:r>
+              <a:rPr lang="en-US" sz="2000" dirty="0"/>
+              <a:t>AI-Based Donation Suggestions </a:t>
+            </a:r>
+          </a:p>
+          <a:p>
+            <a:pPr marL="342900" indent="-342900">
+              <a:lnSpc>
+                <a:spcPct val="150000"/>
+              </a:lnSpc>
+              <a:buFont typeface="Wingdings" panose="05000000000000000000" pitchFamily="2" charset="2"/>
+              <a:buChar char="v"/>
+            </a:pPr>
+            <a:r>
+              <a:rPr lang="en-US" sz="2000" dirty="0"/>
+              <a:t>Social Media Sharing</a:t>
+            </a:r>
+          </a:p>
+          <a:p>
+            <a:pPr marL="342900" indent="-342900">
+              <a:lnSpc>
+                <a:spcPct val="150000"/>
+              </a:lnSpc>
+              <a:buFont typeface="Wingdings" panose="05000000000000000000" pitchFamily="2" charset="2"/>
+              <a:buChar char="v"/>
+            </a:pPr>
+            <a:r>
+              <a:rPr lang="en-US" sz="2000" dirty="0"/>
+              <a:t>Donation Certificate </a:t>
+            </a:r>
+            <a:r>
+              <a:rPr lang="en-US" sz="2000" dirty="0" smtClean="0"/>
+              <a:t>Generator</a:t>
+            </a:r>
+            <a:endParaRPr lang="en-US" sz="2000" dirty="0"/>
+          </a:p>
+        </p:txBody>
+      </p:sp>
+      <p:sp>
+        <p:nvSpPr>
+          <p:cNvPr id="21" name="TextBox 20"/>
+          <p:cNvSpPr txBox="1"/>
+          <p:nvPr/>
+        </p:nvSpPr>
+        <p:spPr>
+          <a:xfrm>
+            <a:off x="338530" y="2539959"/>
+            <a:ext cx="4369948" cy="523220"/>
+          </a:xfrm>
+          <a:prstGeom prst="rect">
+            <a:avLst/>
+          </a:prstGeom>
+          <a:noFill/>
+        </p:spPr>
+        <p:txBody>
+          <a:bodyPr wrap="square" rtlCol="0">
+            <a:spAutoFit/>
+          </a:bodyPr>
+          <a:lstStyle/>
+          <a:p>
+            <a:r>
+              <a:rPr lang="en-US" sz="2800" b="1" dirty="0"/>
+              <a:t>Future Additional Features</a:t>
+            </a:r>
+            <a:endParaRPr lang="en-US" sz="2800" b="1" dirty="0"/>
+          </a:p>
+        </p:txBody>
+      </p:sp>
+      <p:sp>
+        <p:nvSpPr>
+          <p:cNvPr id="25" name="TextBox 24"/>
+          <p:cNvSpPr txBox="1"/>
+          <p:nvPr/>
+        </p:nvSpPr>
+        <p:spPr>
+          <a:xfrm>
+            <a:off x="4258100" y="3184795"/>
+            <a:ext cx="3425589" cy="2352952"/>
+          </a:xfrm>
+          <a:prstGeom prst="rect">
+            <a:avLst/>
+          </a:prstGeom>
+          <a:noFill/>
+        </p:spPr>
+        <p:txBody>
+          <a:bodyPr wrap="square" rtlCol="0">
+            <a:spAutoFit/>
+          </a:bodyPr>
+          <a:lstStyle/>
+          <a:p>
+            <a:pPr marL="342900" indent="-342900">
+              <a:lnSpc>
+                <a:spcPct val="150000"/>
+              </a:lnSpc>
+              <a:buFont typeface="Wingdings" panose="05000000000000000000" pitchFamily="2" charset="2"/>
+              <a:buChar char="v"/>
+            </a:pPr>
+            <a:r>
+              <a:rPr lang="en-US" sz="2000" dirty="0"/>
+              <a:t>Multi-Organization Support</a:t>
+            </a:r>
+          </a:p>
+          <a:p>
+            <a:pPr marL="342900" indent="-342900">
+              <a:lnSpc>
+                <a:spcPct val="150000"/>
+              </a:lnSpc>
+              <a:buFont typeface="Wingdings" panose="05000000000000000000" pitchFamily="2" charset="2"/>
+              <a:buChar char="v"/>
+            </a:pPr>
+            <a:r>
+              <a:rPr lang="en-US" sz="2000" dirty="0"/>
+              <a:t>QR Code for Campaign</a:t>
+            </a:r>
+          </a:p>
+          <a:p>
+            <a:pPr marL="342900" indent="-342900">
+              <a:lnSpc>
+                <a:spcPct val="150000"/>
+              </a:lnSpc>
+              <a:buFont typeface="Wingdings" panose="05000000000000000000" pitchFamily="2" charset="2"/>
+              <a:buChar char="v"/>
+            </a:pPr>
+            <a:r>
+              <a:rPr lang="en-US" sz="2000" dirty="0" smtClean="0"/>
+              <a:t>Block-chain </a:t>
+            </a:r>
+            <a:r>
+              <a:rPr lang="en-US" sz="2000" dirty="0"/>
+              <a:t>Integration</a:t>
+            </a:r>
+          </a:p>
+          <a:p>
+            <a:pPr marL="342900" indent="-342900">
+              <a:lnSpc>
+                <a:spcPct val="150000"/>
+              </a:lnSpc>
+              <a:buFont typeface="Wingdings" panose="05000000000000000000" pitchFamily="2" charset="2"/>
+              <a:buChar char="v"/>
+            </a:pPr>
+            <a:r>
+              <a:rPr lang="en-US" sz="2000" dirty="0"/>
+              <a:t>Tax Report Automation</a:t>
+            </a:r>
+          </a:p>
+          <a:p>
+            <a:pPr marL="342900" indent="-342900">
+              <a:lnSpc>
+                <a:spcPct val="150000"/>
+              </a:lnSpc>
+              <a:buFont typeface="Wingdings" panose="05000000000000000000" pitchFamily="2" charset="2"/>
+              <a:buChar char="v"/>
+            </a:pPr>
+            <a:r>
+              <a:rPr lang="en-US" sz="2000" dirty="0"/>
+              <a:t>Multilingual Support</a:t>
+            </a:r>
+            <a:endParaRPr lang="en-US" sz="2000" dirty="0"/>
+          </a:p>
+        </p:txBody>
+      </p:sp>
+    </p:spTree>
+    <p:extLst>
+      <p:ext uri="{BB962C8B-B14F-4D97-AF65-F5344CB8AC3E}">
+        <p14:creationId xmlns:p14="http://schemas.microsoft.com/office/powerpoint/2010/main" val="462365881"/>
+      </p:ext>
+    </p:extLst>
+  </p:cSld>
+  <p:clrMapOvr>
+    <a:masterClrMapping/>
+  </p:clrMapOvr>
+</p:sld>
+</file>
+
+<file path=ppt/slides/slide12.xml><?xml version="1.0" encoding="utf-8"?>
+<p:sld xmlns:a="http://schemas.openxmlformats.org/drawingml/2006/main" xmlns:r="http://schemas.openxmlformats.org/officeDocument/2006/relationships" xmlns:p="http://schemas.openxmlformats.org/presentationml/2006/main">
+  <p:cSld>
+    <p:spTree>
+      <p:nvGrpSpPr>
+        <p:cNvPr id="1" name=""/>
+        <p:cNvGrpSpPr/>
+        <p:nvPr/>
+      </p:nvGrpSpPr>
+      <p:grpSpPr>
+        <a:xfrm>
+          <a:off x="0" y="0"/>
+          <a:ext cx="0" cy="0"/>
+          <a:chOff x="0" y="0"/>
+          <a:chExt cx="0" cy="0"/>
+        </a:xfrm>
+      </p:grpSpPr>
+      <p:sp>
+        <p:nvSpPr>
+          <p:cNvPr id="4" name="Title 3">
+            <a:extLst>
+              <a:ext uri="{FF2B5EF4-FFF2-40B4-BE49-F238E27FC236}">
+                <a16:creationId xmlns:a16="http://schemas.microsoft.com/office/drawing/2014/main" id="{1ABE11BF-33A5-4653-A144-CCCBACF58C30}"/>
               </a:ext>
             </a:extLst>
           </p:cNvPr>
@@ -14791,23 +15354,21 @@
           <a:bodyPr/>
           <a:lstStyle/>
           <a:p>
+            <a:pPr lvl="0"/>
             <a:r>
               <a:rPr lang="en-US" dirty="0"/>
-              <a:t>Our </a:t>
-            </a:r>
-            <a:r>
-              <a:rPr lang="en-US" b="0" dirty="0"/>
-              <a:t>Promise</a:t>
-            </a:r>
+              <a:t> Key Functionalities:</a:t>
+            </a:r>
+            <a:endParaRPr lang="en-US" dirty="0"/>
           </a:p>
         </p:txBody>
       </p:sp>
       <p:sp>
         <p:nvSpPr>
-          <p:cNvPr id="19" name="Text Placeholder 18">
+          <p:cNvPr id="7" name="Content Placeholder 6">
             <a:extLst>
               <a:ext uri="{FF2B5EF4-FFF2-40B4-BE49-F238E27FC236}">
-                <a16:creationId xmlns:a16="http://schemas.microsoft.com/office/drawing/2014/main" id="{DFE11F38-F66B-4F95-8224-6CCA69D57617}"/>
+                <a16:creationId xmlns:a16="http://schemas.microsoft.com/office/drawing/2014/main" id="{2482DBEC-EE72-4155-ACC5-87E80C5606A9}"/>
               </a:ext>
             </a:extLst>
           </p:cNvPr>
@@ -14815,27 +15376,166 @@
             <a:spLocks noGrp="1"/>
           </p:cNvSpPr>
           <p:nvPr>
-            <p:ph type="body" sz="quarter" idx="16"/>
+            <p:ph idx="1"/>
           </p:nvPr>
         </p:nvSpPr>
-        <p:spPr/>
+        <p:spPr>
+          <a:xfrm>
+            <a:off x="531378" y="2867224"/>
+            <a:ext cx="5767820" cy="3159435"/>
+          </a:xfrm>
+        </p:spPr>
         <p:txBody>
-          <a:bodyPr/>
+          <a:bodyPr>
+            <a:normAutofit/>
+          </a:bodyPr>
           <a:lstStyle/>
           <a:p>
+            <a:pPr lvl="0">
+              <a:buClr>
+                <a:schemeClr val="accent4">
+                  <a:lumMod val="75000"/>
+                </a:schemeClr>
+              </a:buClr>
+              <a:buFont typeface="Wingdings" panose="05000000000000000000" pitchFamily="2" charset="2"/>
+              <a:buChar char="q"/>
+            </a:pPr>
+            <a:r>
+              <a:rPr lang="en-US" dirty="0" smtClean="0"/>
+              <a:t> Add </a:t>
+            </a:r>
             <a:r>
               <a:rPr lang="en-US" dirty="0"/>
-              <a:t>LOREM IPSUM DOLOR SIT AMET</a:t>
-            </a:r>
+              <a:t>and manage donors and donations</a:t>
+            </a:r>
+          </a:p>
+          <a:p>
+            <a:pPr lvl="0">
+              <a:buClr>
+                <a:schemeClr val="accent4">
+                  <a:lumMod val="75000"/>
+                </a:schemeClr>
+              </a:buClr>
+              <a:buFont typeface="Wingdings" panose="05000000000000000000" pitchFamily="2" charset="2"/>
+              <a:buChar char="q"/>
+            </a:pPr>
+            <a:r>
+              <a:rPr lang="en-US" dirty="0" smtClean="0"/>
+              <a:t> Create </a:t>
+            </a:r>
+            <a:r>
+              <a:rPr lang="en-US" dirty="0"/>
+              <a:t>and monitor donation campaigns</a:t>
+            </a:r>
+          </a:p>
+          <a:p>
+            <a:pPr lvl="0">
+              <a:buClr>
+                <a:schemeClr val="accent4">
+                  <a:lumMod val="75000"/>
+                </a:schemeClr>
+              </a:buClr>
+              <a:buFont typeface="Wingdings" panose="05000000000000000000" pitchFamily="2" charset="2"/>
+              <a:buChar char="q"/>
+            </a:pPr>
+            <a:r>
+              <a:rPr lang="en-US" dirty="0" smtClean="0"/>
+              <a:t> Role-based </a:t>
+            </a:r>
+            <a:r>
+              <a:rPr lang="en-US" dirty="0"/>
+              <a:t>login and permissions</a:t>
+            </a:r>
+          </a:p>
+          <a:p>
+            <a:pPr lvl="0">
+              <a:buClr>
+                <a:schemeClr val="accent4">
+                  <a:lumMod val="75000"/>
+                </a:schemeClr>
+              </a:buClr>
+              <a:buFont typeface="Wingdings" panose="05000000000000000000" pitchFamily="2" charset="2"/>
+              <a:buChar char="q"/>
+            </a:pPr>
+            <a:r>
+              <a:rPr lang="en-US" dirty="0" smtClean="0"/>
+              <a:t> Export </a:t>
+            </a:r>
+            <a:r>
+              <a:rPr lang="en-US" dirty="0"/>
+              <a:t>reports in Excel/PDF formats</a:t>
+            </a:r>
+          </a:p>
+          <a:p>
+            <a:pPr lvl="0">
+              <a:buClr>
+                <a:schemeClr val="accent4">
+                  <a:lumMod val="75000"/>
+                </a:schemeClr>
+              </a:buClr>
+              <a:buFont typeface="Wingdings" panose="05000000000000000000" pitchFamily="2" charset="2"/>
+              <a:buChar char="q"/>
+            </a:pPr>
+            <a:r>
+              <a:rPr lang="en-US" dirty="0" smtClean="0"/>
+              <a:t> Secure </a:t>
+            </a:r>
+            <a:r>
+              <a:rPr lang="en-US" dirty="0"/>
+              <a:t>and user-friendly interface</a:t>
+            </a:r>
+          </a:p>
+          <a:p>
+            <a:pPr lvl="0">
+              <a:buClr>
+                <a:schemeClr val="accent4">
+                  <a:lumMod val="75000"/>
+                </a:schemeClr>
+              </a:buClr>
+              <a:buFont typeface="Wingdings" panose="05000000000000000000" pitchFamily="2" charset="2"/>
+              <a:buChar char="q"/>
+            </a:pPr>
+            <a:r>
+              <a:rPr lang="en-US" dirty="0" smtClean="0"/>
+              <a:t> Search </a:t>
+            </a:r>
+            <a:r>
+              <a:rPr lang="en-US" dirty="0"/>
+              <a:t>and filter records easily</a:t>
+            </a:r>
+            <a:endParaRPr lang="en-US" dirty="0"/>
           </a:p>
         </p:txBody>
       </p:sp>
+      <p:pic>
+        <p:nvPicPr>
+          <p:cNvPr id="13" name="Picture Placeholder 12" title="Skyline">
+            <a:extLst>
+              <a:ext uri="{FF2B5EF4-FFF2-40B4-BE49-F238E27FC236}">
+                <a16:creationId xmlns:a16="http://schemas.microsoft.com/office/drawing/2014/main" id="{066FE296-3466-420F-AD6C-D3A37B973B7D}"/>
+              </a:ext>
+            </a:extLst>
+          </p:cNvPr>
+          <p:cNvPicPr>
+            <a:picLocks noGrp="1" noChangeAspect="1"/>
+          </p:cNvPicPr>
+          <p:nvPr>
+            <p:ph type="pic" sz="quarter" idx="10"/>
+          </p:nvPr>
+        </p:nvPicPr>
+        <p:blipFill rotWithShape="1">
+          <a:blip r:embed="rId2"/>
+          <a:srcRect l="23313" r="23313"/>
+          <a:stretch/>
+        </p:blipFill>
+        <p:spPr/>
+      </p:pic>
       <p:sp>
         <p:nvSpPr>
-          <p:cNvPr id="15" name="Text Placeholder 14">
+          <p:cNvPr id="11" name="Footer Placeholder 10">
             <a:extLst>
               <a:ext uri="{FF2B5EF4-FFF2-40B4-BE49-F238E27FC236}">
-                <a16:creationId xmlns:a16="http://schemas.microsoft.com/office/drawing/2014/main" id="{24E18385-8BEA-4522-ABAA-5AB38F0D4FC2}"/>
+                <a16:creationId xmlns:a16="http://schemas.microsoft.com/office/drawing/2014/main" id="{47F4D2C2-B71A-4089-A3FE-603C32706CA6}"/>
               </a:ext>
             </a:extLst>
           </p:cNvPr>
@@ -14843,7 +15543,7 @@
             <a:spLocks noGrp="1"/>
           </p:cNvSpPr>
           <p:nvPr>
-            <p:ph type="body" idx="1"/>
+            <p:ph type="ftr" sz="quarter" idx="14"/>
           </p:nvPr>
         </p:nvSpPr>
         <p:spPr/>
@@ -14853,17 +15553,17 @@
           <a:p>
             <a:r>
               <a:rPr lang="en-US" dirty="0"/>
-              <a:t>Company Name</a:t>
+              <a:t>Add a footer</a:t>
             </a:r>
           </a:p>
         </p:txBody>
       </p:sp>
       <p:sp>
         <p:nvSpPr>
-          <p:cNvPr id="16" name="Content Placeholder 15">
+          <p:cNvPr id="12" name="Slide Number Placeholder 11">
             <a:extLst>
               <a:ext uri="{FF2B5EF4-FFF2-40B4-BE49-F238E27FC236}">
-                <a16:creationId xmlns:a16="http://schemas.microsoft.com/office/drawing/2014/main" id="{1DCFA8A2-3FB8-48CA-933D-0800A9D2A2A2}"/>
+                <a16:creationId xmlns:a16="http://schemas.microsoft.com/office/drawing/2014/main" id="{FBA1BB58-7555-4382-B178-7ED04E137E77}"/>
               </a:ext>
             </a:extLst>
           </p:cNvPr>
@@ -14871,7 +15571,7 @@
             <a:spLocks noGrp="1"/>
           </p:cNvSpPr>
           <p:nvPr>
-            <p:ph sz="half" idx="13"/>
+            <p:ph type="sldNum" sz="quarter" idx="15"/>
           </p:nvPr>
         </p:nvSpPr>
         <p:spPr/>
@@ -14879,199 +15579,10 @@
           <a:bodyPr/>
           <a:lstStyle/>
           <a:p>
-            <a:pPr>
-              <a:buClr>
-                <a:schemeClr val="accent2"/>
-              </a:buClr>
-            </a:pPr>
-            <a:r>
-              <a:rPr lang="en-US" dirty="0"/>
-              <a:t>Nulla a erat eget nunc hendrerit ultrices eu nec nulla. Donec viverra leo aliquet, auctor quam id, convallis orci. </a:t>
-            </a:r>
-          </a:p>
-          <a:p>
-            <a:pPr lvl="1">
-              <a:buClr>
-                <a:schemeClr val="accent2"/>
-              </a:buClr>
-            </a:pPr>
-            <a:r>
-              <a:rPr lang="en-US" dirty="0"/>
-              <a:t>Sed in molestie est. Cras ornare turpis at ligula posuere, sit amet accumsan neque lobortis.</a:t>
-            </a:r>
-          </a:p>
-          <a:p>
-            <a:pPr lvl="1">
-              <a:buClr>
-                <a:schemeClr val="accent2"/>
-              </a:buClr>
-            </a:pPr>
-            <a:r>
-              <a:rPr lang="en-US" dirty="0"/>
-              <a:t>Maecenas mattis risus ligula, sed ullamcorper nunc efficitur sed. </a:t>
-            </a:r>
-          </a:p>
-        </p:txBody>
-      </p:sp>
-      <p:sp>
-        <p:nvSpPr>
-          <p:cNvPr id="17" name="Text Placeholder 16">
-            <a:extLst>
-              <a:ext uri="{FF2B5EF4-FFF2-40B4-BE49-F238E27FC236}">
-                <a16:creationId xmlns:a16="http://schemas.microsoft.com/office/drawing/2014/main" id="{640A3223-3DA3-4CF2-82B6-1447667547BD}"/>
-              </a:ext>
-            </a:extLst>
-          </p:cNvPr>
-          <p:cNvSpPr>
-            <a:spLocks noGrp="1"/>
-          </p:cNvSpPr>
-          <p:nvPr>
-            <p:ph type="body" sz="quarter" idx="14"/>
-          </p:nvPr>
-        </p:nvSpPr>
-        <p:spPr/>
-        <p:txBody>
-          <a:bodyPr/>
-          <a:lstStyle/>
-          <a:p>
-            <a:r>
-              <a:rPr lang="en-US" dirty="0"/>
-              <a:t>Competitive Service</a:t>
-            </a:r>
-          </a:p>
-        </p:txBody>
-      </p:sp>
-      <p:sp>
-        <p:nvSpPr>
-          <p:cNvPr id="18" name="Content Placeholder 17">
-            <a:extLst>
-              <a:ext uri="{FF2B5EF4-FFF2-40B4-BE49-F238E27FC236}">
-                <a16:creationId xmlns:a16="http://schemas.microsoft.com/office/drawing/2014/main" id="{C955AFB3-173C-4848-B3E9-1375591B297E}"/>
-              </a:ext>
-            </a:extLst>
-          </p:cNvPr>
-          <p:cNvSpPr>
-            <a:spLocks noGrp="1"/>
-          </p:cNvSpPr>
-          <p:nvPr>
-            <p:ph sz="quarter" idx="15"/>
-          </p:nvPr>
-        </p:nvSpPr>
-        <p:spPr/>
-        <p:txBody>
-          <a:bodyPr/>
-          <a:lstStyle/>
-          <a:p>
-            <a:pPr>
-              <a:buClr>
-                <a:schemeClr val="accent2"/>
-              </a:buClr>
-            </a:pPr>
-            <a:r>
-              <a:rPr lang="en-US" dirty="0"/>
-              <a:t>Nulla a erat eget nunc hendrerit ultrices eu nec nulla. Donec viverra leo aliquet, auctor quam id, convallis orci. </a:t>
-            </a:r>
-          </a:p>
-          <a:p>
-            <a:pPr lvl="1">
-              <a:buClr>
-                <a:schemeClr val="accent2"/>
-              </a:buClr>
-            </a:pPr>
-            <a:r>
-              <a:rPr lang="en-US" dirty="0"/>
-              <a:t>Sed in molestie est. Cras ornare turpis at ligula posuere, sit amet accumsan neque lobortis.</a:t>
-            </a:r>
-          </a:p>
-          <a:p>
-            <a:pPr lvl="1">
-              <a:buClr>
-                <a:schemeClr val="accent2"/>
-              </a:buClr>
-            </a:pPr>
-            <a:r>
-              <a:rPr lang="en-US" dirty="0"/>
-              <a:t>Maecenas mattis risus ligula, sed ullamcorper nunc efficitur sed. </a:t>
-            </a:r>
-          </a:p>
-        </p:txBody>
-      </p:sp>
-      <p:sp>
-        <p:nvSpPr>
-          <p:cNvPr id="20" name="Footer Placeholder 4">
-            <a:extLst>
-              <a:ext uri="{FF2B5EF4-FFF2-40B4-BE49-F238E27FC236}">
-                <a16:creationId xmlns:a16="http://schemas.microsoft.com/office/drawing/2014/main" id="{391D3201-20F9-4DD7-B4EB-F41AF17CA428}"/>
-              </a:ext>
-            </a:extLst>
-          </p:cNvPr>
-          <p:cNvSpPr>
-            <a:spLocks noGrp="1"/>
-          </p:cNvSpPr>
-          <p:nvPr>
-            <p:ph type="ftr" sz="quarter" idx="17"/>
-          </p:nvPr>
-        </p:nvSpPr>
-        <p:spPr/>
-        <p:txBody>
-          <a:bodyPr/>
-          <a:lstStyle>
-            <a:lvl1pPr algn="r">
-              <a:defRPr sz="1200">
-                <a:solidFill>
-                  <a:schemeClr val="tx1">
-                    <a:lumMod val="50000"/>
-                    <a:lumOff val="50000"/>
-                  </a:schemeClr>
-                </a:solidFill>
-              </a:defRPr>
-            </a:lvl1pPr>
-          </a:lstStyle>
-          <a:p>
-            <a:pPr algn="l"/>
-            <a:r>
-              <a:rPr lang="en-US" dirty="0"/>
-              <a:t>Add a footer</a:t>
-            </a:r>
-          </a:p>
-        </p:txBody>
-      </p:sp>
-      <p:sp>
-        <p:nvSpPr>
-          <p:cNvPr id="21" name="Slide Number Placeholder 5">
-            <a:extLst>
-              <a:ext uri="{FF2B5EF4-FFF2-40B4-BE49-F238E27FC236}">
-                <a16:creationId xmlns:a16="http://schemas.microsoft.com/office/drawing/2014/main" id="{C7C65DDB-24F2-44CF-AE02-F3A6C8B1858B}"/>
-              </a:ext>
-            </a:extLst>
-          </p:cNvPr>
-          <p:cNvSpPr>
-            <a:spLocks noGrp="1"/>
-          </p:cNvSpPr>
-          <p:nvPr>
-            <p:ph type="sldNum" sz="quarter" idx="18"/>
-          </p:nvPr>
-        </p:nvSpPr>
-        <p:spPr/>
-        <p:txBody>
-          <a:bodyPr/>
-          <a:lstStyle>
-            <a:lvl1pPr algn="r">
-              <a:defRPr sz="1200">
-                <a:solidFill>
-                  <a:schemeClr val="tx1">
-                    <a:lumMod val="50000"/>
-                    <a:lumOff val="50000"/>
-                  </a:schemeClr>
-                </a:solidFill>
-              </a:defRPr>
-            </a:lvl1pPr>
-          </a:lstStyle>
-          <a:p>
             <a:fld id="{8699F50C-BE38-4BD0-BA84-9B090E1F2B9B}" type="slidenum">
               <a:rPr lang="en-US" smtClean="0"/>
               <a:pPr/>
-              <a:t>11</a:t>
+              <a:t>12</a:t>
             </a:fld>
             <a:endParaRPr lang="en-US" dirty="0"/>
           </a:p>
@@ -15080,7 +15591,7 @@
     </p:spTree>
     <p:extLst>
       <p:ext uri="{BB962C8B-B14F-4D97-AF65-F5344CB8AC3E}">
-        <p14:creationId xmlns:p14="http://schemas.microsoft.com/office/powerpoint/2010/main" val="3891516162"/>
+        <p14:creationId xmlns:p14="http://schemas.microsoft.com/office/powerpoint/2010/main" val="3549634662"/>
       </p:ext>
     </p:extLst>
   </p:cSld>
@@ -15090,7 +15601,190 @@
 </p:sld>
 </file>
 
-<file path=ppt/slides/slide12.xml><?xml version="1.0" encoding="utf-8"?>
+<file path=ppt/slides/slide13.xml><?xml version="1.0" encoding="utf-8"?>
+<p:sld xmlns:a="http://schemas.openxmlformats.org/drawingml/2006/main" xmlns:r="http://schemas.openxmlformats.org/officeDocument/2006/relationships" xmlns:p="http://schemas.openxmlformats.org/presentationml/2006/main">
+  <p:cSld>
+    <p:spTree>
+      <p:nvGrpSpPr>
+        <p:cNvPr id="1" name=""/>
+        <p:cNvGrpSpPr/>
+        <p:nvPr/>
+      </p:nvGrpSpPr>
+      <p:grpSpPr>
+        <a:xfrm>
+          <a:off x="0" y="0"/>
+          <a:ext cx="0" cy="0"/>
+          <a:chOff x="0" y="0"/>
+          <a:chExt cx="0" cy="0"/>
+        </a:xfrm>
+      </p:grpSpPr>
+      <p:sp>
+        <p:nvSpPr>
+          <p:cNvPr id="3" name="Subtitle 2"/>
+          <p:cNvSpPr>
+            <a:spLocks noGrp="1"/>
+          </p:cNvSpPr>
+          <p:nvPr>
+            <p:ph type="subTitle" idx="1"/>
+          </p:nvPr>
+        </p:nvSpPr>
+        <p:spPr>
+          <a:xfrm>
+            <a:off x="1119118" y="2033520"/>
+            <a:ext cx="8420667" cy="3724865"/>
+          </a:xfrm>
+        </p:spPr>
+        <p:txBody>
+          <a:bodyPr/>
+          <a:lstStyle/>
+          <a:p>
+            <a:r>
+              <a:rPr lang="en-US" b="1" dirty="0" smtClean="0"/>
+              <a:t>Frontend</a:t>
+            </a:r>
+            <a:r>
+              <a:rPr lang="en-US" b="1" dirty="0"/>
+              <a:t>:</a:t>
+            </a:r>
+            <a:r>
+              <a:rPr lang="en-US" dirty="0"/>
+              <a:t> HTML, CSS, </a:t>
+            </a:r>
+            <a:r>
+              <a:rPr lang="en-US" dirty="0" smtClean="0"/>
+              <a:t>JavaScript,Bootstrap5</a:t>
+            </a:r>
+            <a:endParaRPr lang="en-US" dirty="0"/>
+          </a:p>
+          <a:p>
+            <a:r>
+              <a:rPr lang="en-US" b="1" dirty="0"/>
+              <a:t>Backend:</a:t>
+            </a:r>
+            <a:r>
+              <a:rPr lang="en-US" dirty="0"/>
+              <a:t> PHP </a:t>
+            </a:r>
+          </a:p>
+          <a:p>
+            <a:r>
+              <a:rPr lang="en-US" b="1" dirty="0"/>
+              <a:t>Database:</a:t>
+            </a:r>
+            <a:r>
+              <a:rPr lang="en-US" dirty="0"/>
+              <a:t> MySQL / </a:t>
+            </a:r>
+            <a:r>
+              <a:rPr lang="en-US" dirty="0" err="1"/>
+              <a:t>MariaDB</a:t>
+            </a:r>
+            <a:endParaRPr lang="en-US" dirty="0"/>
+          </a:p>
+          <a:p>
+            <a:r>
+              <a:rPr lang="en-US" b="1" dirty="0"/>
+              <a:t>Server:</a:t>
+            </a:r>
+            <a:r>
+              <a:rPr lang="en-US" dirty="0"/>
+              <a:t> Apache / </a:t>
+            </a:r>
+            <a:r>
+              <a:rPr lang="en-US" dirty="0" smtClean="0"/>
+              <a:t>XAMPP</a:t>
+            </a:r>
+          </a:p>
+          <a:p>
+            <a:r>
+              <a:rPr lang="en-US" b="1" dirty="0"/>
+              <a:t>Payment </a:t>
+            </a:r>
+            <a:r>
+              <a:rPr lang="en-US" b="1" dirty="0" err="1" smtClean="0"/>
+              <a:t>Gateways:</a:t>
+            </a:r>
+            <a:r>
+              <a:rPr lang="en-US" dirty="0" err="1" smtClean="0"/>
+              <a:t>PayPal</a:t>
+            </a:r>
+            <a:r>
+              <a:rPr lang="en-US" dirty="0" smtClean="0"/>
+              <a:t>,</a:t>
+            </a:r>
+            <a:r>
+              <a:rPr lang="en-US" dirty="0"/>
+              <a:t> </a:t>
+            </a:r>
+            <a:r>
+              <a:rPr lang="en-US" dirty="0" smtClean="0"/>
+              <a:t>Stripe,</a:t>
+            </a:r>
+            <a:r>
+              <a:rPr lang="en-US" dirty="0"/>
+              <a:t>  </a:t>
+            </a:r>
+            <a:r>
+              <a:rPr lang="en-US" dirty="0" err="1">
+                <a:hlinkClick r:id="rId2"/>
+              </a:rPr>
+              <a:t>Payoneer</a:t>
+            </a:r>
+            <a:endParaRPr lang="en-US" dirty="0"/>
+          </a:p>
+          <a:p>
+            <a:endParaRPr lang="en-US" dirty="0"/>
+          </a:p>
+        </p:txBody>
+      </p:sp>
+      <p:sp>
+        <p:nvSpPr>
+          <p:cNvPr id="4" name="TextBox 3"/>
+          <p:cNvSpPr txBox="1"/>
+          <p:nvPr/>
+        </p:nvSpPr>
+        <p:spPr>
+          <a:xfrm>
+            <a:off x="1119119" y="1255597"/>
+            <a:ext cx="4653885" cy="584775"/>
+          </a:xfrm>
+          <a:prstGeom prst="rect">
+            <a:avLst/>
+          </a:prstGeom>
+          <a:noFill/>
+        </p:spPr>
+        <p:txBody>
+          <a:bodyPr wrap="square" rtlCol="0">
+            <a:spAutoFit/>
+          </a:bodyPr>
+          <a:lstStyle/>
+          <a:p>
+            <a:r>
+              <a:rPr lang="en-US" sz="3200" b="1" dirty="0"/>
+              <a:t>Technologies </a:t>
+            </a:r>
+            <a:r>
+              <a:rPr lang="en-US" sz="3200" b="1" dirty="0" smtClean="0"/>
+              <a:t>Used</a:t>
+            </a:r>
+            <a:endParaRPr lang="en-US" sz="3200" b="1" dirty="0"/>
+          </a:p>
+        </p:txBody>
+      </p:sp>
+    </p:spTree>
+    <p:extLst>
+      <p:ext uri="{BB962C8B-B14F-4D97-AF65-F5344CB8AC3E}">
+        <p14:creationId xmlns:p14="http://schemas.microsoft.com/office/powerpoint/2010/main" val="2498535545"/>
+      </p:ext>
+    </p:extLst>
+  </p:cSld>
+  <p:clrMapOvr>
+    <a:masterClrMapping/>
+  </p:clrMapOvr>
+</p:sld>
+</file>
+
+<file path=ppt/slides/slide14.xml><?xml version="1.0" encoding="utf-8"?>
 <p:sld xmlns:a="http://schemas.openxmlformats.org/drawingml/2006/main" xmlns:r="http://schemas.openxmlformats.org/officeDocument/2006/relationships" xmlns:p="http://schemas.openxmlformats.org/presentationml/2006/main">
   <p:cSld>
     <p:spTree>
@@ -15316,7 +16010,7 @@
             <a:fld id="{8699F50C-BE38-4BD0-BA84-9B090E1F2B9B}" type="slidenum">
               <a:rPr lang="en-US" smtClean="0"/>
               <a:pPr/>
-              <a:t>12</a:t>
+              <a:t>14</a:t>
             </a:fld>
             <a:endParaRPr lang="en-US" dirty="0"/>
           </a:p>
@@ -15335,7 +16029,7 @@
 </p:sld>
 </file>
 
-<file path=ppt/slides/slide13.xml><?xml version="1.0" encoding="utf-8"?>
+<file path=ppt/slides/slide15.xml><?xml version="1.0" encoding="utf-8"?>
 <p:sld xmlns:a="http://schemas.openxmlformats.org/drawingml/2006/main" xmlns:r="http://schemas.openxmlformats.org/officeDocument/2006/relationships" xmlns:p="http://schemas.openxmlformats.org/presentationml/2006/main">
   <p:cSld>
     <p:spTree>
@@ -16450,7 +17144,7 @@
             <a:fld id="{8699F50C-BE38-4BD0-BA84-9B090E1F2B9B}" type="slidenum">
               <a:rPr lang="en-US" smtClean="0"/>
               <a:pPr/>
-              <a:t>13</a:t>
+              <a:t>15</a:t>
             </a:fld>
             <a:endParaRPr lang="en-US" dirty="0"/>
           </a:p>
@@ -16469,7 +17163,7 @@
 </p:sld>
 </file>
 
-<file path=ppt/slides/slide14.xml><?xml version="1.0" encoding="utf-8"?>
+<file path=ppt/slides/slide16.xml><?xml version="1.0" encoding="utf-8"?>
 <p:sld xmlns:a="http://schemas.openxmlformats.org/drawingml/2006/main" xmlns:r="http://schemas.openxmlformats.org/officeDocument/2006/relationships" xmlns:p="http://schemas.openxmlformats.org/presentationml/2006/main">
   <p:cSld>
     <p:spTree>
@@ -16566,7 +17260,7 @@
 </p:sld>
 </file>
 
-<file path=ppt/slides/slide15.xml><?xml version="1.0" encoding="utf-8"?>
+<file path=ppt/slides/slide17.xml><?xml version="1.0" encoding="utf-8"?>
 <p:sld xmlns:a="http://schemas.openxmlformats.org/drawingml/2006/main" xmlns:r="http://schemas.openxmlformats.org/officeDocument/2006/relationships" xmlns:p="http://schemas.openxmlformats.org/presentationml/2006/main">
   <p:cSld>
     <p:spTree>
@@ -16981,7 +17675,7 @@
 </p:sld>
 </file>
 
-<file path=ppt/slides/slide16.xml><?xml version="1.0" encoding="utf-8"?>
+<file path=ppt/slides/slide18.xml><?xml version="1.0" encoding="utf-8"?>
 <p:sld xmlns:a="http://schemas.openxmlformats.org/drawingml/2006/main" xmlns:r="http://schemas.openxmlformats.org/officeDocument/2006/relationships" xmlns:p="http://schemas.openxmlformats.org/presentationml/2006/main">
   <p:cSld>
     <p:spTree>
@@ -17090,7 +17784,7 @@
           <a:p>
             <a:fld id="{8699F50C-BE38-4BD0-BA84-9B090E1F2B9B}" type="slidenum">
               <a:rPr lang="en-US" smtClean="0"/>
-              <a:t>16</a:t>
+              <a:t>18</a:t>
             </a:fld>
             <a:endParaRPr lang="en-US" dirty="0"/>
           </a:p>
@@ -20093,7 +20787,7 @@
         <p:spPr>
           <a:xfrm>
             <a:off x="675774" y="1118937"/>
-            <a:ext cx="10840453" cy="4308872"/>
+            <a:ext cx="10840453" cy="5847755"/>
           </a:xfrm>
           <a:prstGeom prst="rect">
             <a:avLst/>
@@ -20107,57 +20801,57 @@
           <a:lstStyle/>
           <a:p>
             <a:r>
-              <a:rPr lang="en-US" sz="2000" b="1" dirty="0"/>
+              <a:rPr lang="en-US" sz="2200" b="1" dirty="0"/>
               <a:t>Introduction :</a:t>
             </a:r>
-            <a:endParaRPr lang="en-US" sz="2000" b="1" dirty="0" smtClean="0"/>
-          </a:p>
-          <a:p>
-            <a:endParaRPr lang="en-US" b="1" dirty="0"/>
-          </a:p>
-          <a:p>
-            <a:r>
-              <a:rPr lang="en-US" dirty="0"/>
+            <a:endParaRPr lang="en-US" sz="2200" b="1" dirty="0" smtClean="0"/>
+          </a:p>
+          <a:p>
+            <a:endParaRPr lang="en-US" sz="2200" b="1" dirty="0"/>
+          </a:p>
+          <a:p>
+            <a:r>
+              <a:rPr lang="en-US" sz="2200" dirty="0"/>
               <a:t>A Donation Management System is designed to streamline the process of collecting, tracking, and managing donations from individuals or organizations. It serves as the backbone for non-profits, charities, or fundraising platforms by maintaining accurate records of donors, donations, and related activities</a:t>
             </a:r>
             <a:r>
-              <a:rPr lang="en-US" dirty="0" smtClean="0"/>
+              <a:rPr lang="en-US" sz="2200" dirty="0" smtClean="0"/>
               <a:t>.</a:t>
             </a:r>
           </a:p>
           <a:p>
-            <a:endParaRPr lang="en-US" dirty="0" smtClean="0"/>
-          </a:p>
-          <a:p>
-            <a:endParaRPr lang="en-US" dirty="0"/>
-          </a:p>
-          <a:p>
-            <a:r>
-              <a:rPr lang="en-US" sz="2000" b="1" dirty="0"/>
+            <a:endParaRPr lang="en-US" sz="2200" dirty="0" smtClean="0"/>
+          </a:p>
+          <a:p>
+            <a:endParaRPr lang="en-US" sz="2200" dirty="0"/>
+          </a:p>
+          <a:p>
+            <a:r>
+              <a:rPr lang="en-US" sz="2200" b="1" dirty="0"/>
               <a:t>Objective</a:t>
             </a:r>
             <a:r>
-              <a:rPr lang="en-US" sz="2000" b="1" dirty="0" smtClean="0"/>
+              <a:rPr lang="en-US" sz="2200" b="1" dirty="0" smtClean="0"/>
               <a:t>:</a:t>
             </a:r>
           </a:p>
           <a:p>
-            <a:endParaRPr lang="en-US" b="1" dirty="0"/>
-          </a:p>
-          <a:p>
-            <a:r>
-              <a:rPr lang="en-US" dirty="0"/>
+            <a:endParaRPr lang="en-US" sz="2200" b="1" dirty="0"/>
+          </a:p>
+          <a:p>
+            <a:r>
+              <a:rPr lang="en-US" sz="2200" dirty="0"/>
               <a:t>The Donation Management System aims to provide a centralized platform for managing donors, campaigns, and donation transactions efficiently. It is designed to support non-profit organizations, charities, and fundraising teams in tracking contributions, engaging donors, and ensuring transparency and accountability.</a:t>
             </a:r>
           </a:p>
           <a:p>
-            <a:endParaRPr lang="en-US" dirty="0"/>
-          </a:p>
-          <a:p>
-            <a:endParaRPr lang="en-US" dirty="0"/>
-          </a:p>
-          <a:p>
-            <a:endParaRPr lang="en-US" dirty="0"/>
+            <a:endParaRPr lang="en-US" sz="2200" dirty="0"/>
+          </a:p>
+          <a:p>
+            <a:endParaRPr lang="en-US" sz="2200" dirty="0"/>
+          </a:p>
+          <a:p>
+            <a:endParaRPr lang="en-US" sz="2200" dirty="0"/>
           </a:p>
         </p:txBody>
       </p:sp>
@@ -20201,8 +20895,8 @@
         </p:nvSpPr>
         <p:spPr bwMode="auto">
           <a:xfrm>
-            <a:off x="800100" y="462569"/>
-            <a:ext cx="10591800" cy="4031873"/>
+            <a:off x="800100" y="657464"/>
+            <a:ext cx="10591800" cy="5170646"/>
           </a:xfrm>
           <a:prstGeom prst="rect">
             <a:avLst/>
@@ -20266,7 +20960,7 @@
               <a:buNone/>
               <a:tabLst/>
             </a:pPr>
-            <a:endParaRPr kumimoji="0" lang="en-US" altLang="en-US" sz="1800" b="0" i="0" u="none" strike="noStrike" cap="none" normalizeH="0" baseline="0" dirty="0" smtClean="0">
+            <a:endParaRPr kumimoji="0" lang="en-US" altLang="en-US" sz="2200" b="0" i="0" u="none" strike="noStrike" cap="none" normalizeH="0" baseline="0" dirty="0" smtClean="0">
               <a:ln>
                 <a:noFill/>
               </a:ln>
@@ -20278,20 +20972,20 @@
           </a:p>
           <a:p>
             <a:r>
-              <a:rPr lang="en-US" sz="2000" b="1" dirty="0"/>
+              <a:rPr lang="en-US" sz="2200" b="1" dirty="0"/>
               <a:t>Description</a:t>
             </a:r>
             <a:r>
-              <a:rPr lang="en-US" sz="2000" b="1" dirty="0" smtClean="0"/>
+              <a:rPr lang="en-US" sz="2200" b="1" dirty="0" smtClean="0"/>
               <a:t>:</a:t>
             </a:r>
           </a:p>
           <a:p>
-            <a:endParaRPr lang="en-US" b="1" dirty="0"/>
-          </a:p>
-          <a:p>
-            <a:r>
-              <a:rPr lang="en-US" dirty="0"/>
+            <a:endParaRPr lang="en-US" sz="2200" b="1" dirty="0"/>
+          </a:p>
+          <a:p>
+            <a:r>
+              <a:rPr lang="en-US" sz="2200" dirty="0"/>
               <a:t>This system is a web-based application that automates the entire lifecycle of donation handling — from donor registration to donation processing, campaign management, and reporting. It offers role-based access for administrators, volunteers, campaign managers, and donors, ensuring each user accesses only the relevant functionalities.</a:t>
             </a:r>
           </a:p>
@@ -20312,7 +21006,7 @@
               <a:buNone/>
               <a:tabLst/>
             </a:pPr>
-            <a:endParaRPr kumimoji="0" lang="en-US" altLang="en-US" sz="1800" b="0" i="0" u="none" strike="noStrike" cap="none" normalizeH="0" baseline="0" dirty="0" smtClean="0">
+            <a:endParaRPr kumimoji="0" lang="en-US" altLang="en-US" sz="2200" b="0" i="0" u="none" strike="noStrike" cap="none" normalizeH="0" baseline="0" dirty="0" smtClean="0">
               <a:ln>
                 <a:noFill/>
               </a:ln>
@@ -20340,7 +21034,7 @@
               <a:tabLst/>
             </a:pPr>
             <a:r>
-              <a:rPr kumimoji="0" lang="en-US" altLang="en-US" sz="2000" b="1" i="0" u="none" strike="noStrike" cap="none" normalizeH="0" baseline="0" dirty="0" smtClean="0">
+              <a:rPr kumimoji="0" lang="en-US" altLang="en-US" sz="2200" b="1" i="0" u="none" strike="noStrike" cap="none" normalizeH="0" baseline="0" dirty="0" smtClean="0">
                 <a:ln>
                   <a:noFill/>
                 </a:ln>
@@ -20352,14 +21046,14 @@
               <a:t>Analysis of Requirements</a:t>
             </a:r>
             <a:r>
-              <a:rPr lang="en-US" altLang="en-US" sz="2000" dirty="0"/>
+              <a:rPr lang="en-US" altLang="en-US" sz="2200" dirty="0"/>
               <a:t> </a:t>
             </a:r>
             <a:r>
-              <a:rPr lang="en-US" altLang="en-US" sz="2000" dirty="0" smtClean="0"/>
+              <a:rPr lang="en-US" altLang="en-US" sz="2200" dirty="0" smtClean="0"/>
               <a:t>:</a:t>
             </a:r>
-            <a:endParaRPr kumimoji="0" lang="en-US" altLang="en-US" sz="2000" i="0" u="none" strike="noStrike" cap="none" normalizeH="0" baseline="0" dirty="0" smtClean="0">
+            <a:endParaRPr kumimoji="0" lang="en-US" altLang="en-US" sz="2200" i="0" u="none" strike="noStrike" cap="none" normalizeH="0" baseline="0" dirty="0" smtClean="0">
               <a:ln>
                 <a:noFill/>
               </a:ln>
@@ -20387,7 +21081,7 @@
               <a:tabLst/>
             </a:pPr>
             <a:r>
-              <a:rPr kumimoji="0" lang="en-US" altLang="en-US" sz="1800" b="0" i="0" u="none" strike="noStrike" cap="none" normalizeH="0" baseline="0" dirty="0" smtClean="0">
+              <a:rPr kumimoji="0" lang="en-US" altLang="en-US" sz="2200" b="0" i="0" u="none" strike="noStrike" cap="none" normalizeH="0" baseline="0" dirty="0" smtClean="0">
                 <a:ln>
                   <a:noFill/>
                 </a:ln>
@@ -20399,7 +21093,7 @@
               <a:t/>
             </a:r>
             <a:br>
-              <a:rPr kumimoji="0" lang="en-US" altLang="en-US" sz="1800" b="0" i="0" u="none" strike="noStrike" cap="none" normalizeH="0" baseline="0" dirty="0" smtClean="0">
+              <a:rPr kumimoji="0" lang="en-US" altLang="en-US" sz="2200" b="0" i="0" u="none" strike="noStrike" cap="none" normalizeH="0" baseline="0" dirty="0" smtClean="0">
                 <a:ln>
                   <a:noFill/>
                 </a:ln>
@@ -20410,7 +21104,7 @@
               </a:rPr>
             </a:br>
             <a:r>
-              <a:rPr kumimoji="0" lang="en-US" altLang="en-US" sz="1800" b="0" i="0" u="none" strike="noStrike" cap="none" normalizeH="0" baseline="0" dirty="0" smtClean="0">
+              <a:rPr kumimoji="0" lang="en-US" altLang="en-US" sz="2200" b="0" i="0" u="none" strike="noStrike" cap="none" normalizeH="0" baseline="0" dirty="0" smtClean="0">
                 <a:ln>
                   <a:noFill/>
                 </a:ln>
@@ -20422,7 +21116,7 @@
               <a:t>Compiling the web application's requirements is the initial stage in the implementation process. To determine the essential features and functionalities needed in the web application, a requirements assessment including possible funders, school administrators, and other stakeholders will be carried out.</a:t>
             </a:r>
             <a:br>
-              <a:rPr kumimoji="0" lang="en-US" altLang="en-US" sz="1800" b="0" i="0" u="none" strike="noStrike" cap="none" normalizeH="0" baseline="0" dirty="0" smtClean="0">
+              <a:rPr kumimoji="0" lang="en-US" altLang="en-US" sz="2200" b="0" i="0" u="none" strike="noStrike" cap="none" normalizeH="0" baseline="0" dirty="0" smtClean="0">
                 <a:ln>
                   <a:noFill/>
                 </a:ln>
@@ -20432,7 +21126,7 @@
                 <a:effectLst/>
               </a:rPr>
             </a:br>
-            <a:endParaRPr kumimoji="0" lang="en-US" altLang="en-US" sz="1800" b="0" i="0" u="none" strike="noStrike" cap="none" normalizeH="0" baseline="0" dirty="0" smtClean="0">
+            <a:endParaRPr kumimoji="0" lang="en-US" altLang="en-US" sz="2200" b="0" i="0" u="none" strike="noStrike" cap="none" normalizeH="0" baseline="0" dirty="0" smtClean="0">
               <a:ln>
                 <a:noFill/>
               </a:ln>
@@ -20497,40 +21191,9 @@
           <a:p>
             <a:r>
               <a:rPr lang="en-US" dirty="0"/>
-              <a:t>About </a:t>
-            </a:r>
-            <a:r>
-              <a:rPr lang="en-US" b="0" dirty="0"/>
-              <a:t>Us</a:t>
-            </a:r>
-          </a:p>
-        </p:txBody>
-      </p:sp>
-      <p:sp>
-        <p:nvSpPr>
-          <p:cNvPr id="9" name="Text Placeholder 8">
-            <a:extLst>
-              <a:ext uri="{FF2B5EF4-FFF2-40B4-BE49-F238E27FC236}">
-                <a16:creationId xmlns:a16="http://schemas.microsoft.com/office/drawing/2014/main" id="{53469036-D1FB-4164-96AE-B6D8CECCFC96}"/>
-              </a:ext>
-            </a:extLst>
-          </p:cNvPr>
-          <p:cNvSpPr>
-            <a:spLocks noGrp="1"/>
-          </p:cNvSpPr>
-          <p:nvPr>
-            <p:ph type="body" sz="quarter" idx="13"/>
-          </p:nvPr>
-        </p:nvSpPr>
-        <p:spPr/>
-        <p:txBody>
-          <a:bodyPr/>
-          <a:lstStyle/>
-          <a:p>
-            <a:r>
-              <a:rPr lang="en-US" dirty="0"/>
-              <a:t>LOREM IPSUM DOLOR SIT AMET</a:t>
-            </a:r>
+              <a:t>Software Advantages</a:t>
+            </a:r>
+            <a:endParaRPr lang="en-US" b="0" dirty="0"/>
           </a:p>
         </p:txBody>
       </p:sp>
@@ -20550,39 +21213,84 @@
             <p:ph idx="1"/>
           </p:nvPr>
         </p:nvSpPr>
-        <p:spPr/>
+        <p:spPr>
+          <a:xfrm>
+            <a:off x="531378" y="2867224"/>
+            <a:ext cx="5767820" cy="3159435"/>
+          </a:xfrm>
+        </p:spPr>
         <p:txBody>
           <a:bodyPr>
-            <a:normAutofit fontScale="92500"/>
+            <a:normAutofit lnSpcReduction="10000"/>
           </a:bodyPr>
           <a:lstStyle/>
           <a:p>
             <a:pPr lvl="0"/>
             <a:r>
               <a:rPr lang="en-US" dirty="0"/>
-              <a:t>Lorem ipsum dolor sit amet, consectetur adipiscing elit. </a:t>
+              <a:t>Centralized donation data for easier access and </a:t>
+            </a:r>
+            <a:r>
+              <a:rPr lang="en-US" dirty="0" smtClean="0"/>
+              <a:t>updates</a:t>
             </a:r>
           </a:p>
           <a:p>
             <a:pPr lvl="0"/>
             <a:r>
+              <a:rPr lang="en-US" dirty="0" smtClean="0"/>
+              <a:t>Improved </a:t>
+            </a:r>
+            <a:r>
               <a:rPr lang="en-US" dirty="0"/>
-              <a:t>Ut fermentum a magna ut eleifend. Integer convallis suscipit ante eu varius. </a:t>
+              <a:t>donor engagement and </a:t>
+            </a:r>
+            <a:r>
+              <a:rPr lang="en-US" dirty="0" smtClean="0"/>
+              <a:t>retention</a:t>
             </a:r>
           </a:p>
           <a:p>
             <a:pPr lvl="0"/>
             <a:r>
+              <a:rPr lang="en-US" dirty="0" smtClean="0"/>
+              <a:t>Enhanced </a:t>
+            </a:r>
+            <a:r>
               <a:rPr lang="en-US" dirty="0"/>
-              <a:t>Morbi a purus dolor. Suspendisse sit amet ipsum finibus justo viverra blandit. </a:t>
+              <a:t>transparency and audit </a:t>
+            </a:r>
+            <a:r>
+              <a:rPr lang="en-US" dirty="0" smtClean="0"/>
+              <a:t>readiness</a:t>
             </a:r>
           </a:p>
           <a:p>
             <a:pPr lvl="0"/>
             <a:r>
+              <a:rPr lang="en-US" dirty="0" smtClean="0"/>
+              <a:t>Efficient </a:t>
+            </a:r>
+            <a:r>
               <a:rPr lang="en-US" dirty="0"/>
-              <a:t>Ut congue quis tortor eget sodales. </a:t>
-            </a:r>
+              <a:t>campaign and event </a:t>
+            </a:r>
+            <a:r>
+              <a:rPr lang="en-US" dirty="0" smtClean="0"/>
+              <a:t>tracking</a:t>
+            </a:r>
+          </a:p>
+          <a:p>
+            <a:pPr lvl="0"/>
+            <a:r>
+              <a:rPr lang="en-US" dirty="0" smtClean="0"/>
+              <a:t>Automated </a:t>
+            </a:r>
+            <a:r>
+              <a:rPr lang="en-US" dirty="0"/>
+              <a:t>receipt and report generation</a:t>
+            </a:r>
+            <a:endParaRPr lang="en-US" dirty="0"/>
           </a:p>
         </p:txBody>
       </p:sp>
@@ -21532,20 +22240,20 @@
 </file>
 
 <file path=customXml/item1.xml><?xml version="1.0" encoding="utf-8"?>
-<p:properties xmlns:p="http://schemas.microsoft.com/office/2006/metadata/properties" xmlns:xsi="http://www.w3.org/2001/XMLSchema-instance" xmlns:pc="http://schemas.microsoft.com/office/infopath/2007/PartnerControls">
-  <documentManagement>
-    <MediaServiceKeyPoints xmlns="71af3243-3dd4-4a8d-8c0d-dd76da1f02a5" xsi:nil="true"/>
-  </documentManagement>
-</p:properties>
-</file>
-
-<file path=customXml/item2.xml><?xml version="1.0" encoding="utf-8"?>
 <?mso-contentType ?>
 <FormTemplates xmlns="http://schemas.microsoft.com/sharepoint/v3/contenttype/forms">
   <Display>DocumentLibraryForm</Display>
   <Edit>DocumentLibraryForm</Edit>
   <New>DocumentLibraryForm</New>
 </FormTemplates>
+</file>
+
+<file path=customXml/item2.xml><?xml version="1.0" encoding="utf-8"?>
+<p:properties xmlns:p="http://schemas.microsoft.com/office/2006/metadata/properties" xmlns:xsi="http://www.w3.org/2001/XMLSchema-instance" xmlns:pc="http://schemas.microsoft.com/office/infopath/2007/PartnerControls">
+  <documentManagement>
+    <MediaServiceKeyPoints xmlns="71af3243-3dd4-4a8d-8c0d-dd76da1f02a5" xsi:nil="true"/>
+  </documentManagement>
+</p:properties>
 </file>
 
 <file path=customXml/item3.xml><?xml version="1.0" encoding="utf-8"?>
@@ -21760,6 +22468,14 @@
 </file>
 
 <file path=customXml/itemProps1.xml><?xml version="1.0" encoding="utf-8"?>
+<ds:datastoreItem xmlns:ds="http://schemas.openxmlformats.org/officeDocument/2006/customXml" ds:itemID="{A80A5AF1-8C57-4290-936E-5FD27C957251}">
+  <ds:schemaRefs>
+    <ds:schemaRef ds:uri="http://schemas.microsoft.com/sharepoint/v3/contenttype/forms"/>
+  </ds:schemaRefs>
+</ds:datastoreItem>
+</file>
+
+<file path=customXml/itemProps2.xml><?xml version="1.0" encoding="utf-8"?>
 <ds:datastoreItem xmlns:ds="http://schemas.openxmlformats.org/officeDocument/2006/customXml" ds:itemID="{C87F4215-C6BB-44A3-9A5E-9446E6835900}">
   <ds:schemaRefs>
     <ds:schemaRef ds:uri="http://schemas.microsoft.com/office/2006/documentManagement/types"/>
@@ -21772,14 +22488,6 @@
     <ds:schemaRef ds:uri="http://schemas.openxmlformats.org/package/2006/metadata/core-properties"/>
     <ds:schemaRef ds:uri="16c05727-aa75-4e4a-9b5f-8a80a1165891"/>
     <ds:schemaRef ds:uri="http://schemas.microsoft.com/office/2006/metadata/properties"/>
-  </ds:schemaRefs>
-</ds:datastoreItem>
-</file>
-
-<file path=customXml/itemProps2.xml><?xml version="1.0" encoding="utf-8"?>
-<ds:datastoreItem xmlns:ds="http://schemas.openxmlformats.org/officeDocument/2006/customXml" ds:itemID="{A80A5AF1-8C57-4290-936E-5FD27C957251}">
-  <ds:schemaRefs>
-    <ds:schemaRef ds:uri="http://schemas.microsoft.com/sharepoint/v3/contenttype/forms"/>
   </ds:schemaRefs>
 </ds:datastoreItem>
 </file>
